--- a/SlideDeck.pptx
+++ b/SlideDeck.pptx
@@ -312,7 +312,7 @@
             <a:fld id="{1D8BD707-D9CF-40AE-B4C6-C98DA3205C09}" type="datetimeFigureOut">
               <a:rPr lang="en-US" smtClean="0"/>
               <a:pPr/>
-              <a:t>10/5/2020</a:t>
+              <a:t>10/6/2020</a:t>
             </a:fld>
             <a:endParaRPr lang="en-US"/>
           </a:p>
@@ -479,7 +479,7 @@
             <a:fld id="{1D8BD707-D9CF-40AE-B4C6-C98DA3205C09}" type="datetimeFigureOut">
               <a:rPr lang="en-US" smtClean="0"/>
               <a:pPr/>
-              <a:t>10/5/2020</a:t>
+              <a:t>10/6/2020</a:t>
             </a:fld>
             <a:endParaRPr lang="en-US"/>
           </a:p>
@@ -656,7 +656,7 @@
             <a:fld id="{1D8BD707-D9CF-40AE-B4C6-C98DA3205C09}" type="datetimeFigureOut">
               <a:rPr lang="en-US" smtClean="0"/>
               <a:pPr/>
-              <a:t>10/5/2020</a:t>
+              <a:t>10/6/2020</a:t>
             </a:fld>
             <a:endParaRPr lang="en-US"/>
           </a:p>
@@ -823,7 +823,7 @@
             <a:fld id="{1D8BD707-D9CF-40AE-B4C6-C98DA3205C09}" type="datetimeFigureOut">
               <a:rPr lang="en-US" smtClean="0"/>
               <a:pPr/>
-              <a:t>10/5/2020</a:t>
+              <a:t>10/6/2020</a:t>
             </a:fld>
             <a:endParaRPr lang="en-US"/>
           </a:p>
@@ -1066,7 +1066,7 @@
             <a:fld id="{1D8BD707-D9CF-40AE-B4C6-C98DA3205C09}" type="datetimeFigureOut">
               <a:rPr lang="en-US" smtClean="0"/>
               <a:pPr/>
-              <a:t>10/5/2020</a:t>
+              <a:t>10/6/2020</a:t>
             </a:fld>
             <a:endParaRPr lang="en-US"/>
           </a:p>
@@ -1351,7 +1351,7 @@
             <a:fld id="{1D8BD707-D9CF-40AE-B4C6-C98DA3205C09}" type="datetimeFigureOut">
               <a:rPr lang="en-US" smtClean="0"/>
               <a:pPr/>
-              <a:t>10/5/2020</a:t>
+              <a:t>10/6/2020</a:t>
             </a:fld>
             <a:endParaRPr lang="en-US"/>
           </a:p>
@@ -1770,7 +1770,7 @@
             <a:fld id="{1D8BD707-D9CF-40AE-B4C6-C98DA3205C09}" type="datetimeFigureOut">
               <a:rPr lang="en-US" smtClean="0"/>
               <a:pPr/>
-              <a:t>10/5/2020</a:t>
+              <a:t>10/6/2020</a:t>
             </a:fld>
             <a:endParaRPr lang="en-US"/>
           </a:p>
@@ -1885,7 +1885,7 @@
             <a:fld id="{1D8BD707-D9CF-40AE-B4C6-C98DA3205C09}" type="datetimeFigureOut">
               <a:rPr lang="en-US" smtClean="0"/>
               <a:pPr/>
-              <a:t>10/5/2020</a:t>
+              <a:t>10/6/2020</a:t>
             </a:fld>
             <a:endParaRPr lang="en-US"/>
           </a:p>
@@ -1977,7 +1977,7 @@
             <a:fld id="{1D8BD707-D9CF-40AE-B4C6-C98DA3205C09}" type="datetimeFigureOut">
               <a:rPr lang="en-US" smtClean="0"/>
               <a:pPr/>
-              <a:t>10/5/2020</a:t>
+              <a:t>10/6/2020</a:t>
             </a:fld>
             <a:endParaRPr lang="en-US"/>
           </a:p>
@@ -2251,7 +2251,7 @@
             <a:fld id="{1D8BD707-D9CF-40AE-B4C6-C98DA3205C09}" type="datetimeFigureOut">
               <a:rPr lang="en-US" smtClean="0"/>
               <a:pPr/>
-              <a:t>10/5/2020</a:t>
+              <a:t>10/6/2020</a:t>
             </a:fld>
             <a:endParaRPr lang="en-US"/>
           </a:p>
@@ -2501,7 +2501,7 @@
             <a:fld id="{1D8BD707-D9CF-40AE-B4C6-C98DA3205C09}" type="datetimeFigureOut">
               <a:rPr lang="en-US" smtClean="0"/>
               <a:pPr/>
-              <a:t>10/5/2020</a:t>
+              <a:t>10/6/2020</a:t>
             </a:fld>
             <a:endParaRPr lang="en-US"/>
           </a:p>
@@ -2711,7 +2711,7 @@
             <a:fld id="{1D8BD707-D9CF-40AE-B4C6-C98DA3205C09}" type="datetimeFigureOut">
               <a:rPr lang="en-US" smtClean="0"/>
               <a:pPr/>
-              <a:t>10/5/2020</a:t>
+              <a:t>10/6/2020</a:t>
             </a:fld>
             <a:endParaRPr lang="en-US"/>
           </a:p>
@@ -3166,10 +3166,6 @@
               <a:rPr lang="en-US" dirty="0"/>
               <a:t>tried to come up with an enhanced version of analysis on comments which can be useful to the channel owner to grow their views and revenue. </a:t>
             </a:r>
-            <a:r>
-              <a:rPr lang="en-US" dirty="0"/>
-              <a:t/>
-            </a:r>
             <a:br>
               <a:rPr lang="en-US" dirty="0"/>
             </a:br>
@@ -3219,14 +3215,16 @@
         </p:nvSpPr>
         <p:spPr/>
         <p:txBody>
-          <a:bodyPr/>
-          <a:lstStyle/>
-          <a:p>
-            <a:r>
-              <a:rPr lang="en-US" dirty="0" smtClean="0"/>
+          <a:bodyPr>
+            <a:normAutofit/>
+          </a:bodyPr>
+          <a:lstStyle/>
+          <a:p>
+            <a:r>
+              <a:rPr lang="en-US" sz="3600" dirty="0"/>
               <a:t>Hypothesis Testing</a:t>
             </a:r>
-            <a:endParaRPr lang="en-US" dirty="0"/>
+            <a:endParaRPr lang="en-US" sz="3600" dirty="0"/>
           </a:p>
         </p:txBody>
       </p:sp>
@@ -3252,7 +3250,7 @@
             </a:pPr>
             <a:r>
               <a:rPr lang="en-US" dirty="0" smtClean="0"/>
-              <a:t>Do </a:t>
+              <a:t>2. Do </a:t>
             </a:r>
             <a:r>
               <a:rPr lang="en-US" dirty="0"/>
@@ -3275,7 +3273,6 @@
               <a:rPr lang="en-US" dirty="0"/>
               <a:t>= There is no difference in the word length in Spam or Ham category.</a:t>
             </a:r>
-            <a:endParaRPr lang="en-US" dirty="0"/>
           </a:p>
           <a:p>
             <a:r>
@@ -3329,7 +3326,6 @@
               <a:rPr lang="en-US" dirty="0"/>
               <a:t>Hence, we can say that there is a difference in length of words in spam and ham comments. </a:t>
             </a:r>
-            <a:endParaRPr lang="en-US" dirty="0"/>
           </a:p>
         </p:txBody>
       </p:sp>
@@ -3349,6 +3345,11 @@
 <file path=ppt/slides/slide11.xml><?xml version="1.0" encoding="utf-8"?>
 <p:sld xmlns:a="http://schemas.openxmlformats.org/drawingml/2006/main" xmlns:r="http://schemas.openxmlformats.org/officeDocument/2006/relationships" xmlns:p="http://schemas.openxmlformats.org/presentationml/2006/main">
   <p:cSld>
+    <p:bg>
+      <p:bgRef idx="1001">
+        <a:schemeClr val="bg1"/>
+      </p:bgRef>
+    </p:bg>
     <p:spTree>
       <p:nvGrpSpPr>
         <p:cNvPr id="1" name=""/>
@@ -3408,7 +3409,7 @@
             </a:pPr>
             <a:r>
               <a:rPr lang="en-US" dirty="0" smtClean="0"/>
-              <a:t>Do </a:t>
+              <a:t>3. Do </a:t>
             </a:r>
             <a:r>
               <a:rPr lang="en-US" dirty="0"/>
@@ -3434,7 +3435,6 @@
               <a:rPr lang="en-US" dirty="0"/>
               <a:t>= There is no difference in text standard in Spam or Ham category.</a:t>
             </a:r>
-            <a:endParaRPr lang="en-US" dirty="0"/>
           </a:p>
           <a:p>
             <a:r>
@@ -3445,7 +3445,6 @@
               <a:rPr lang="en-US" dirty="0"/>
               <a:t>= Spam and ham comments have different text standard.</a:t>
             </a:r>
-            <a:endParaRPr lang="en-US" dirty="0"/>
           </a:p>
           <a:p>
             <a:endParaRPr lang="en-US" b="1" dirty="0" smtClean="0"/>
@@ -3482,7 +3481,6 @@
               <a:rPr lang="en-US" dirty="0"/>
               <a:t>Hence, we can say that there is a difference in text standard in spam and ham comments. </a:t>
             </a:r>
-            <a:endParaRPr lang="en-US" dirty="0"/>
           </a:p>
         </p:txBody>
       </p:sp>
@@ -3494,7 +3492,7 @@
     </p:extLst>
   </p:cSld>
   <p:clrMapOvr>
-    <a:masterClrMapping/>
+    <a:overrideClrMapping bg1="lt1" tx1="dk1" bg2="lt2" tx2="dk2" accent1="accent1" accent2="accent2" accent3="accent3" accent4="accent4" accent5="accent5" accent6="accent6" hlink="hlink" folHlink="folHlink"/>
   </p:clrMapOvr>
 </p:sld>
 </file>
@@ -3566,7 +3564,7 @@
         </p:blipFill>
         <p:spPr bwMode="auto">
           <a:xfrm>
-            <a:off x="685800" y="1828800"/>
+            <a:off x="762000" y="1600200"/>
             <a:ext cx="7280911" cy="4114800"/>
           </a:xfrm>
           <a:prstGeom prst="rect">
@@ -4750,11 +4748,13 @@
         </p:nvSpPr>
         <p:spPr/>
         <p:txBody>
-          <a:bodyPr/>
-          <a:lstStyle/>
-          <a:p>
-            <a:r>
-              <a:rPr lang="en-US" dirty="0" smtClean="0"/>
+          <a:bodyPr>
+            <a:normAutofit/>
+          </a:bodyPr>
+          <a:lstStyle/>
+          <a:p>
+            <a:r>
+              <a:rPr lang="en-US" dirty="0"/>
               <a:t>Audience</a:t>
             </a:r>
             <a:endParaRPr lang="en-US" dirty="0"/>
@@ -5622,7 +5622,11 @@
           <a:p>
             <a:r>
               <a:rPr lang="en-US" dirty="0" smtClean="0"/>
-              <a:t>Future Steps</a:t>
+              <a:t>Future </a:t>
+            </a:r>
+            <a:r>
+              <a:rPr lang="en-US" dirty="0" smtClean="0"/>
+              <a:t>Steps</a:t>
             </a:r>
             <a:endParaRPr lang="en-US" dirty="0"/>
           </a:p>
@@ -5640,10 +5644,46 @@
         </p:nvSpPr>
         <p:spPr/>
         <p:txBody>
-          <a:bodyPr/>
-          <a:lstStyle/>
-          <a:p>
-            <a:endParaRPr lang="en-US"/>
+          <a:bodyPr>
+            <a:normAutofit/>
+          </a:bodyPr>
+          <a:lstStyle/>
+          <a:p>
+            <a:pPr fontAlgn="base"/>
+            <a:r>
+              <a:rPr lang="en-US" dirty="0"/>
+              <a:t>Diversify training </a:t>
+            </a:r>
+            <a:r>
+              <a:rPr lang="en-US" dirty="0" smtClean="0"/>
+              <a:t>data</a:t>
+            </a:r>
+          </a:p>
+          <a:p>
+            <a:pPr fontAlgn="base"/>
+            <a:r>
+              <a:rPr lang="en-US" dirty="0" smtClean="0"/>
+              <a:t>Topic Analysis </a:t>
+            </a:r>
+          </a:p>
+          <a:p>
+            <a:pPr fontAlgn="base"/>
+            <a:r>
+              <a:rPr lang="en-US" dirty="0" smtClean="0"/>
+              <a:t>App </a:t>
+            </a:r>
+            <a:r>
+              <a:rPr lang="en-US" dirty="0"/>
+              <a:t>for user </a:t>
+            </a:r>
+            <a:r>
+              <a:rPr lang="en-US" dirty="0" smtClean="0"/>
+              <a:t>Interface</a:t>
+            </a:r>
+            <a:endParaRPr lang="en-US" dirty="0"/>
+          </a:p>
+          <a:p>
+            <a:endParaRPr lang="en-US" dirty="0"/>
           </a:p>
         </p:txBody>
       </p:sp>
@@ -6789,11 +6829,13 @@
         </p:nvSpPr>
         <p:spPr/>
         <p:txBody>
-          <a:bodyPr/>
-          <a:lstStyle/>
-          <a:p>
-            <a:r>
-              <a:rPr lang="en-US" dirty="0" smtClean="0"/>
+          <a:bodyPr>
+            <a:normAutofit/>
+          </a:bodyPr>
+          <a:lstStyle/>
+          <a:p>
+            <a:r>
+              <a:rPr lang="en-US" dirty="0"/>
               <a:t>Exploratory Data Analysis</a:t>
             </a:r>
             <a:endParaRPr lang="en-US" dirty="0"/>
@@ -6810,12 +6852,64 @@
             <p:ph idx="1"/>
           </p:nvPr>
         </p:nvSpPr>
-        <p:spPr/>
-        <p:txBody>
-          <a:bodyPr/>
-          <a:lstStyle/>
-          <a:p>
-            <a:endParaRPr lang="en-US"/>
+        <p:spPr>
+          <a:ln>
+            <a:solidFill>
+              <a:schemeClr val="tx1"/>
+            </a:solidFill>
+          </a:ln>
+        </p:spPr>
+        <p:txBody>
+          <a:bodyPr>
+            <a:normAutofit/>
+          </a:bodyPr>
+          <a:lstStyle/>
+          <a:p>
+            <a:r>
+              <a:rPr lang="en-US" dirty="0"/>
+              <a:t>I </a:t>
+            </a:r>
+            <a:r>
+              <a:rPr lang="en-US" dirty="0"/>
+              <a:t>found that there are no null and duplicate </a:t>
+            </a:r>
+            <a:r>
+              <a:rPr lang="en-US" dirty="0"/>
+              <a:t>records</a:t>
+            </a:r>
+            <a:r>
+              <a:rPr lang="en-US" dirty="0"/>
+              <a:t> </a:t>
+            </a:r>
+            <a:r>
+              <a:rPr lang="en-US" dirty="0"/>
+              <a:t>in the training dataset.</a:t>
+            </a:r>
+          </a:p>
+          <a:p>
+            <a:r>
+              <a:rPr lang="en-US" dirty="0"/>
+              <a:t>Added meta-features</a:t>
+            </a:r>
+            <a:endParaRPr lang="en-US" dirty="0"/>
+          </a:p>
+          <a:p>
+            <a:r>
+              <a:rPr lang="en-US" dirty="0"/>
+              <a:t>Utilized </a:t>
+            </a:r>
+            <a:r>
+              <a:rPr lang="en-US" dirty="0" err="1"/>
+              <a:t>TextStat</a:t>
+            </a:r>
+            <a:r>
+              <a:rPr lang="en-US" dirty="0"/>
+              <a:t> </a:t>
+            </a:r>
+            <a:r>
+              <a:rPr lang="en-US" dirty="0"/>
+              <a:t>library to calculate a number of statistics from text to determine readability, complexity and grade level of comments. </a:t>
+            </a:r>
           </a:p>
         </p:txBody>
       </p:sp>
@@ -6874,15 +6968,78 @@
           </a:p>
         </p:txBody>
       </p:sp>
+      <p:sp>
+        <p:nvSpPr>
+          <p:cNvPr id="3" name="Content Placeholder 2"/>
+          <p:cNvSpPr>
+            <a:spLocks noGrp="1"/>
+          </p:cNvSpPr>
+          <p:nvPr>
+            <p:ph idx="1"/>
+          </p:nvPr>
+        </p:nvSpPr>
+        <p:spPr/>
+        <p:txBody>
+          <a:bodyPr>
+            <a:normAutofit fontScale="70000" lnSpcReduction="20000"/>
+          </a:bodyPr>
+          <a:lstStyle/>
+          <a:p>
+            <a:endParaRPr lang="en-US" dirty="0" smtClean="0"/>
+          </a:p>
+          <a:p>
+            <a:endParaRPr lang="en-US" dirty="0"/>
+          </a:p>
+          <a:p>
+            <a:endParaRPr lang="en-US" dirty="0" smtClean="0"/>
+          </a:p>
+          <a:p>
+            <a:endParaRPr lang="en-US" dirty="0"/>
+          </a:p>
+          <a:p>
+            <a:endParaRPr lang="en-US" dirty="0" smtClean="0"/>
+          </a:p>
+          <a:p>
+            <a:endParaRPr lang="en-US" dirty="0"/>
+          </a:p>
+          <a:p>
+            <a:endParaRPr lang="en-US" dirty="0" smtClean="0"/>
+          </a:p>
+          <a:p>
+            <a:endParaRPr lang="en-US" dirty="0" smtClean="0"/>
+          </a:p>
+          <a:p>
+            <a:endParaRPr lang="en-US" dirty="0"/>
+          </a:p>
+          <a:p>
+            <a:r>
+              <a:rPr lang="en-US" dirty="0" smtClean="0"/>
+              <a:t>Correlation matrix show that there is strong correlation among meta- features .</a:t>
+            </a:r>
+          </a:p>
+          <a:p>
+            <a:r>
+              <a:rPr lang="en-US" dirty="0" smtClean="0"/>
+              <a:t>The </a:t>
+            </a:r>
+            <a:r>
+              <a:rPr lang="en-US" dirty="0"/>
+              <a:t>indexes about comments’ understandability and readability are also positively or negatively correlated with each other.</a:t>
+            </a:r>
+            <a:endParaRPr lang="en-US" dirty="0" smtClean="0"/>
+          </a:p>
+          <a:p>
+            <a:endParaRPr lang="en-US" dirty="0"/>
+          </a:p>
+        </p:txBody>
+      </p:sp>
       <p:pic>
         <p:nvPicPr>
-          <p:cNvPr id="5122" name="Picture 2"/>
+          <p:cNvPr id="5" name="Picture 2"/>
           <p:cNvPicPr>
-            <a:picLocks noGrp="1" noChangeAspect="1" noChangeArrowheads="1"/>
+            <a:picLocks noChangeAspect="1" noChangeArrowheads="1"/>
           </p:cNvPicPr>
-          <p:nvPr>
-            <p:ph idx="1"/>
-          </p:nvPr>
+          <p:nvPr/>
         </p:nvPicPr>
         <p:blipFill>
           <a:blip r:embed="rId2">
@@ -6899,8 +7056,8 @@
         </p:blipFill>
         <p:spPr bwMode="auto">
           <a:xfrm>
-            <a:off x="1466850" y="1896269"/>
-            <a:ext cx="6210300" cy="3933825"/>
+            <a:off x="1600200" y="1143000"/>
+            <a:ext cx="5257800" cy="3330478"/>
           </a:xfrm>
           <a:prstGeom prst="rect">
             <a:avLst/>
@@ -6979,9 +7136,18 @@
           <a:p>
             <a:pPr marL="0" indent="0" fontAlgn="base"/>
             <a:r>
-              <a:rPr lang="en-US" sz="3600" b="1" dirty="0"/>
-              <a:t>No. of words in each comment:</a:t>
-            </a:r>
+              <a:rPr lang="en-US" sz="3600" dirty="0"/>
+              <a:t>No. </a:t>
+            </a:r>
+            <a:r>
+              <a:rPr lang="en-US" sz="3600" dirty="0"/>
+              <a:t>of words in each </a:t>
+            </a:r>
+            <a:r>
+              <a:rPr lang="en-US" sz="3600" dirty="0" smtClean="0"/>
+              <a:t>comment</a:t>
+            </a:r>
+            <a:endParaRPr lang="en-US" sz="3600" dirty="0"/>
           </a:p>
         </p:txBody>
       </p:sp>
@@ -7003,7 +7169,7 @@
         </p:spPr>
         <p:txBody>
           <a:bodyPr>
-            <a:normAutofit fontScale="92500" lnSpcReduction="10000"/>
+            <a:normAutofit fontScale="85000" lnSpcReduction="10000"/>
           </a:bodyPr>
           <a:lstStyle/>
           <a:p>
@@ -7038,6 +7204,18 @@
             <a:pPr marL="514350" indent="-514350" fontAlgn="base">
               <a:buFont typeface="+mj-lt"/>
               <a:buAutoNum type="arabicPeriod"/>
+            </a:pPr>
+            <a:endParaRPr lang="en-US" dirty="0"/>
+          </a:p>
+          <a:p>
+            <a:pPr marL="0" indent="0">
+              <a:buNone/>
+            </a:pPr>
+            <a:endParaRPr lang="en-US" dirty="0" smtClean="0"/>
+          </a:p>
+          <a:p>
+            <a:pPr marL="0" indent="0">
+              <a:buNone/>
             </a:pPr>
             <a:endParaRPr lang="en-US" dirty="0"/>
           </a:p>
@@ -7088,8 +7266,8 @@
         </p:blipFill>
         <p:spPr bwMode="auto">
           <a:xfrm>
-            <a:off x="1750002" y="1524000"/>
-            <a:ext cx="5162550" cy="2762250"/>
+            <a:off x="1219200" y="1530927"/>
+            <a:ext cx="6693513" cy="3581400"/>
           </a:xfrm>
           <a:prstGeom prst="rect">
             <a:avLst/>
@@ -7179,10 +7357,9 @@
           <a:lstStyle/>
           <a:p>
             <a:r>
-              <a:rPr lang="en-US" sz="3600" b="1" dirty="0"/>
+              <a:rPr lang="en-US" sz="3600" dirty="0"/>
               <a:t>Average length of each word</a:t>
             </a:r>
-            <a:endParaRPr lang="en-US" sz="3600" dirty="0"/>
           </a:p>
         </p:txBody>
       </p:sp>
@@ -7251,7 +7428,7 @@
         <p:spPr>
           <a:xfrm>
             <a:off x="921327" y="5498068"/>
-            <a:ext cx="7010400" cy="369332"/>
+            <a:ext cx="7010400" cy="923330"/>
           </a:xfrm>
           <a:prstGeom prst="rect">
             <a:avLst/>
@@ -7264,10 +7441,9 @@
           <a:lstStyle/>
           <a:p>
             <a:r>
-              <a:rPr lang="en-US" dirty="0"/>
+              <a:rPr lang="en-US" sz="2700" dirty="0"/>
               <a:t>SPAM comments have lengthier words than non-spam comments.</a:t>
             </a:r>
-            <a:endParaRPr lang="en-US" dirty="0"/>
           </a:p>
         </p:txBody>
       </p:sp>
@@ -7385,7 +7561,7 @@
         <p:spPr>
           <a:xfrm>
             <a:off x="782782" y="4953000"/>
-            <a:ext cx="7696200" cy="1477328"/>
+            <a:ext cx="7696200" cy="2308324"/>
           </a:xfrm>
           <a:prstGeom prst="rect">
             <a:avLst/>
@@ -7398,10 +7574,9 @@
           <a:lstStyle/>
           <a:p>
             <a:r>
-              <a:rPr lang="en-US" dirty="0"/>
+              <a:rPr lang="en-US" sz="2700" dirty="0"/>
               <a:t>There is a stark difference in text standard in the 2 categories. Text standard for spam comments has a median at 5 grade level, while ham comments’ grade level is significantly lower at 2.</a:t>
             </a:r>
-            <a:endParaRPr lang="en-US" dirty="0"/>
           </a:p>
           <a:p>
             <a:r>
@@ -7457,14 +7632,16 @@
         </p:nvSpPr>
         <p:spPr/>
         <p:txBody>
-          <a:bodyPr/>
-          <a:lstStyle/>
-          <a:p>
-            <a:r>
-              <a:rPr lang="en-US" dirty="0" smtClean="0"/>
+          <a:bodyPr>
+            <a:normAutofit/>
+          </a:bodyPr>
+          <a:lstStyle/>
+          <a:p>
+            <a:r>
+              <a:rPr lang="en-US" sz="3600" dirty="0"/>
               <a:t>Hypothesis Testing</a:t>
             </a:r>
-            <a:endParaRPr lang="en-US" dirty="0"/>
+            <a:endParaRPr lang="en-US" sz="3600" dirty="0"/>
           </a:p>
         </p:txBody>
       </p:sp>
@@ -7489,8 +7666,12 @@
               <a:buNone/>
             </a:pPr>
             <a:r>
+              <a:rPr lang="en-US" dirty="0" smtClean="0"/>
+              <a:t>1. Are </a:t>
+            </a:r>
+            <a:r>
               <a:rPr lang="en-US" dirty="0"/>
-              <a:t>Are spam comments usually longer than non-spam comments</a:t>
+              <a:t>spam comments usually longer than non-spam comments</a:t>
             </a:r>
             <a:r>
               <a:rPr lang="en-US" dirty="0" smtClean="0"/>
@@ -7509,7 +7690,6 @@
               <a:rPr lang="en-US" dirty="0"/>
               <a:t>= There is no difference in the length of comments in Spam or Ham category.</a:t>
             </a:r>
-            <a:endParaRPr lang="en-US" dirty="0"/>
           </a:p>
           <a:p>
             <a:r>
@@ -7572,7 +7752,6 @@
               <a:rPr lang="en-US" dirty="0"/>
               <a:t>and can say that there is a difference in length spam and ham comments. </a:t>
             </a:r>
-            <a:endParaRPr lang="en-US" dirty="0"/>
           </a:p>
         </p:txBody>
       </p:sp>
@@ -7870,4 +8049,47 @@
   <a:objectDefaults/>
   <a:extraClrSchemeLst/>
 </a:theme>
+</file>
+
+<file path=ppt/theme/themeOverride1.xml><?xml version="1.0" encoding="utf-8"?>
+<a:themeOverride xmlns:a="http://schemas.openxmlformats.org/drawingml/2006/main">
+  <a:clrScheme name="Office">
+    <a:dk1>
+      <a:sysClr val="windowText" lastClr="000000"/>
+    </a:dk1>
+    <a:lt1>
+      <a:sysClr val="window" lastClr="FFFFFF"/>
+    </a:lt1>
+    <a:dk2>
+      <a:srgbClr val="1F497D"/>
+    </a:dk2>
+    <a:lt2>
+      <a:srgbClr val="EEECE1"/>
+    </a:lt2>
+    <a:accent1>
+      <a:srgbClr val="4F81BD"/>
+    </a:accent1>
+    <a:accent2>
+      <a:srgbClr val="C0504D"/>
+    </a:accent2>
+    <a:accent3>
+      <a:srgbClr val="9BBB59"/>
+    </a:accent3>
+    <a:accent4>
+      <a:srgbClr val="8064A2"/>
+    </a:accent4>
+    <a:accent5>
+      <a:srgbClr val="4BACC6"/>
+    </a:accent5>
+    <a:accent6>
+      <a:srgbClr val="F79646"/>
+    </a:accent6>
+    <a:hlink>
+      <a:srgbClr val="0000FF"/>
+    </a:hlink>
+    <a:folHlink>
+      <a:srgbClr val="800080"/>
+    </a:folHlink>
+  </a:clrScheme>
+</a:themeOverride>
 </file>